--- a/data/MultiLayer_Poster_NeurIPS2024.pptx
+++ b/data/MultiLayer_Poster_NeurIPS2024.pptx
@@ -307,7 +307,7 @@
       </p15:sldGuideLst>
     </p:ext>
     <p:ext uri="GoogleSlidesCustomDataVersion2">
-      <go:slidesCustomData xmlns:go="http://customooxmlschemas.google.com/" xmlns:ahyp="http://schemas.microsoft.com/office/drawing/2018/hyperlinkcolor" xmlns:p15="http://schemas.microsoft.com/office/powerpoint/2012/main" xmlns:p14="http://schemas.microsoft.com/office/powerpoint/2010/main" xmlns:com="http://schemas.openxmlformats.org/drawingml/2006/compatibility" xmlns:pvml="urn:schemas-microsoft-com:office:powerpoint" xmlns:v="urn:schemas-microsoft-com:vml" xmlns:o="urn:schemas-microsoft-com:office:office" xmlns:dgm="http://schemas.openxmlformats.org/drawingml/2006/diagram" xmlns:c="http://schemas.openxmlformats.org/drawingml/2006/chart" xmlns:mv="urn:schemas-microsoft-com:mac:vml" xmlns:mc="http://schemas.openxmlformats.org/markup-compatibility/2006" xmlns="" r:id="rId7" roundtripDataSignature="AMtx7mhYBONTc3GZ7foEc8lUPhwCWzbDlA=="/>
+      <go:slidesCustomData xmlns="" xmlns:mc="http://schemas.openxmlformats.org/markup-compatibility/2006" xmlns:mv="urn:schemas-microsoft-com:mac:vml" xmlns:c="http://schemas.openxmlformats.org/drawingml/2006/chart" xmlns:dgm="http://schemas.openxmlformats.org/drawingml/2006/diagram" xmlns:o="urn:schemas-microsoft-com:office:office" xmlns:v="urn:schemas-microsoft-com:vml" xmlns:pvml="urn:schemas-microsoft-com:office:powerpoint" xmlns:com="http://schemas.openxmlformats.org/drawingml/2006/compatibility" xmlns:p14="http://schemas.microsoft.com/office/powerpoint/2010/main" xmlns:p15="http://schemas.microsoft.com/office/powerpoint/2012/main" xmlns:ahyp="http://schemas.microsoft.com/office/drawing/2018/hyperlinkcolor" xmlns:go="http://customooxmlschemas.google.com/" r:id="rId7" roundtripDataSignature="AMtx7mhYBONTc3GZ7foEc8lUPhwCWzbDlA=="/>
     </p:ext>
   </p:extLst>
 </p:presentation>
@@ -16988,8 +16988,8 @@
           </a:p>
         </p:txBody>
       </p:sp>
-      <mc:AlternateContent xmlns:mc="http://schemas.openxmlformats.org/markup-compatibility/2006">
-        <mc:Choice xmlns:a14="http://schemas.microsoft.com/office/drawing/2010/main" Requires="a14">
+      <mc:AlternateContent xmlns:mc="http://schemas.openxmlformats.org/markup-compatibility/2006" xmlns:a14="http://schemas.microsoft.com/office/drawing/2010/main">
+        <mc:Choice Requires="a14">
           <p:sp>
             <p:nvSpPr>
               <p:cNvPr id="8" name="文本框 7">
@@ -17046,7 +17046,7 @@
             </p:txBody>
           </p:sp>
         </mc:Choice>
-        <mc:Fallback>
+        <mc:Fallback xmlns="">
           <p:sp>
             <p:nvSpPr>
               <p:cNvPr id="8" name="文本框 7">
@@ -17142,8 +17142,8 @@
           </a:p>
         </p:txBody>
       </p:sp>
-      <mc:AlternateContent xmlns:mc="http://schemas.openxmlformats.org/markup-compatibility/2006">
-        <mc:Choice xmlns:a14="http://schemas.microsoft.com/office/drawing/2010/main" Requires="a14">
+      <mc:AlternateContent xmlns:mc="http://schemas.openxmlformats.org/markup-compatibility/2006" xmlns:a14="http://schemas.microsoft.com/office/drawing/2010/main">
+        <mc:Choice Requires="a14">
           <p:sp>
             <p:nvSpPr>
               <p:cNvPr id="12" name="文本框 11">
@@ -17225,7 +17225,7 @@
             </p:txBody>
           </p:sp>
         </mc:Choice>
-        <mc:Fallback>
+        <mc:Fallback xmlns="">
           <p:sp>
             <p:nvSpPr>
               <p:cNvPr id="12" name="文本框 11">
@@ -17522,8 +17522,8 @@
           </a:p>
         </p:txBody>
       </p:sp>
-      <mc:AlternateContent xmlns:mc="http://schemas.openxmlformats.org/markup-compatibility/2006">
-        <mc:Choice xmlns:a14="http://schemas.microsoft.com/office/drawing/2010/main" Requires="a14">
+      <mc:AlternateContent xmlns:mc="http://schemas.openxmlformats.org/markup-compatibility/2006" xmlns:a14="http://schemas.microsoft.com/office/drawing/2010/main">
+        <mc:Choice Requires="a14">
           <p:sp>
             <p:nvSpPr>
               <p:cNvPr id="23" name="文本框 22">
@@ -17580,7 +17580,7 @@
             </p:txBody>
           </p:sp>
         </mc:Choice>
-        <mc:Fallback>
+        <mc:Fallback xmlns="">
           <p:sp>
             <p:nvSpPr>
               <p:cNvPr id="23" name="文本框 22">
@@ -18160,8 +18160,8 @@
           </a:p>
         </p:txBody>
       </p:sp>
-      <mc:AlternateContent xmlns:mc="http://schemas.openxmlformats.org/markup-compatibility/2006">
-        <mc:Choice xmlns:a14="http://schemas.microsoft.com/office/drawing/2010/main" Requires="a14">
+      <mc:AlternateContent xmlns:mc="http://schemas.openxmlformats.org/markup-compatibility/2006" xmlns:a14="http://schemas.microsoft.com/office/drawing/2010/main">
+        <mc:Choice Requires="a14">
           <p:sp>
             <p:nvSpPr>
               <p:cNvPr id="34" name="文本框 33">
@@ -18243,7 +18243,7 @@
             </p:txBody>
           </p:sp>
         </mc:Choice>
-        <mc:Fallback>
+        <mc:Fallback xmlns="">
           <p:sp>
             <p:nvSpPr>
               <p:cNvPr id="34" name="文本框 33">
@@ -18339,8 +18339,8 @@
           </a:p>
         </p:txBody>
       </p:sp>
-      <mc:AlternateContent xmlns:mc="http://schemas.openxmlformats.org/markup-compatibility/2006">
-        <mc:Choice xmlns:a14="http://schemas.microsoft.com/office/drawing/2010/main" Requires="a14">
+      <mc:AlternateContent xmlns:mc="http://schemas.openxmlformats.org/markup-compatibility/2006" xmlns:a14="http://schemas.microsoft.com/office/drawing/2010/main">
+        <mc:Choice Requires="a14">
           <p:sp>
             <p:nvSpPr>
               <p:cNvPr id="37" name="文本框 36">
@@ -18433,7 +18433,7 @@
             </p:txBody>
           </p:sp>
         </mc:Choice>
-        <mc:Fallback>
+        <mc:Fallback xmlns="">
           <p:sp>
             <p:nvSpPr>
               <p:cNvPr id="37" name="文本框 36">
@@ -18893,8 +18893,8 @@
           </a:p>
         </p:txBody>
       </p:sp>
-      <mc:AlternateContent xmlns:mc="http://schemas.openxmlformats.org/markup-compatibility/2006">
-        <mc:Choice xmlns:a14="http://schemas.microsoft.com/office/drawing/2010/main" Requires="a14">
+      <mc:AlternateContent xmlns:mc="http://schemas.openxmlformats.org/markup-compatibility/2006" xmlns:a14="http://schemas.microsoft.com/office/drawing/2010/main">
+        <mc:Choice Requires="a14">
           <p:sp>
             <p:nvSpPr>
               <p:cNvPr id="50" name="文本框 49">
@@ -18951,7 +18951,7 @@
             </p:txBody>
           </p:sp>
         </mc:Choice>
-        <mc:Fallback>
+        <mc:Fallback xmlns="">
           <p:sp>
             <p:nvSpPr>
               <p:cNvPr id="50" name="文本框 49">
@@ -20230,8 +20230,8 @@
             </a:p>
           </p:txBody>
         </p:sp>
-        <mc:AlternateContent xmlns:mc="http://schemas.openxmlformats.org/markup-compatibility/2006">
-          <mc:Choice xmlns:a14="http://schemas.microsoft.com/office/drawing/2010/main" Requires="a14">
+        <mc:AlternateContent xmlns:mc="http://schemas.openxmlformats.org/markup-compatibility/2006" xmlns:a14="http://schemas.microsoft.com/office/drawing/2010/main">
+          <mc:Choice Requires="a14">
             <p:sp>
               <p:nvSpPr>
                 <p:cNvPr id="9" name="文本框 8">
@@ -20375,7 +20375,7 @@
               </p:txBody>
             </p:sp>
           </mc:Choice>
-          <mc:Fallback>
+          <mc:Fallback xmlns="">
             <p:sp>
               <p:nvSpPr>
                 <p:cNvPr id="9" name="文本框 8">
@@ -21617,8 +21617,8 @@
             </a:p>
           </p:txBody>
         </p:sp>
-        <mc:AlternateContent xmlns:mc="http://schemas.openxmlformats.org/markup-compatibility/2006">
-          <mc:Choice xmlns:a14="http://schemas.microsoft.com/office/drawing/2010/main" Requires="a14">
+        <mc:AlternateContent xmlns:mc="http://schemas.openxmlformats.org/markup-compatibility/2006" xmlns:a14="http://schemas.microsoft.com/office/drawing/2010/main">
+          <mc:Choice Requires="a14">
             <p:sp>
               <p:nvSpPr>
                 <p:cNvPr id="119" name="Google Shape;119;p1">
@@ -22102,7 +22102,7 @@
               </p:txBody>
             </p:sp>
           </mc:Choice>
-          <mc:Fallback>
+          <mc:Fallback xmlns="">
             <p:sp>
               <p:nvSpPr>
                 <p:cNvPr id="119" name="Google Shape;119;p1">
@@ -22247,7 +22247,15 @@
                   </a14:m>
                   <a:r>
                     <a:rPr lang="en-US" sz="3200" dirty="0"/>
-                    <a:t> can be treated as an constant.</a:t>
+                    <a:t> can be treated </a:t>
+                  </a:r>
+                  <a:r>
+                    <a:rPr lang="en-US" sz="3200"/>
+                    <a:t>as a </a:t>
+                  </a:r>
+                  <a:r>
+                    <a:rPr lang="en-US" sz="3200" dirty="0"/>
+                    <a:t>constant.</a:t>
                   </a:r>
                 </a:p>
                 <a:p>
@@ -22886,8 +22894,8 @@
             </a:p>
           </p:txBody>
         </p:sp>
-        <mc:AlternateContent xmlns:mc="http://schemas.openxmlformats.org/markup-compatibility/2006">
-          <mc:Choice xmlns:a14="http://schemas.microsoft.com/office/drawing/2010/main" Requires="a14">
+        <mc:AlternateContent xmlns:mc="http://schemas.openxmlformats.org/markup-compatibility/2006" xmlns:a14="http://schemas.microsoft.com/office/drawing/2010/main">
+          <mc:Choice Requires="a14">
             <p:sp>
               <p:nvSpPr>
                 <p:cNvPr id="68" name="Google Shape;93;p1">
@@ -23136,7 +23144,7 @@
               </p:txBody>
             </p:sp>
           </mc:Choice>
-          <mc:Fallback>
+          <mc:Fallback xmlns="">
             <p:sp>
               <p:nvSpPr>
                 <p:cNvPr id="68" name="Google Shape;93;p1">
